--- a/REVIEW_2.pptx
+++ b/REVIEW_2.pptx
@@ -136,7 +136,7 @@
           <a:p>
             <a:fld id="{A4F742B7-9D2F-4586-9B9D-7FA19FEBACE2}" type="datetimeFigureOut">
               <a:rPr lang="en-IN" smtClean="0"/>
-              <a:t>20-12-2024</a:t>
+              <a:t>21-12-2024</a:t>
             </a:fld>
             <a:endParaRPr lang="en-IN"/>
           </a:p>
@@ -745,7 +745,7 @@
           <a:p>
             <a:fld id="{1D8BD707-D9CF-40AE-B4C6-C98DA3205C09}" type="datetimeFigureOut">
               <a:rPr lang="en-US"/>
-              <a:t>12/20/2024</a:t>
+              <a:t>12/21/2024</a:t>
             </a:fld>
             <a:endParaRPr lang="en-US"/>
           </a:p>
@@ -920,7 +920,7 @@
           <a:p>
             <a:fld id="{1D8BD707-D9CF-40AE-B4C6-C98DA3205C09}" type="datetimeFigureOut">
               <a:rPr lang="en-US"/>
-              <a:t>12/20/2024</a:t>
+              <a:t>12/21/2024</a:t>
             </a:fld>
             <a:endParaRPr lang="en-US"/>
           </a:p>
@@ -1134,7 +1134,7 @@
           <a:p>
             <a:fld id="{1D8BD707-D9CF-40AE-B4C6-C98DA3205C09}" type="datetimeFigureOut">
               <a:rPr lang="en-US"/>
-              <a:t>12/20/2024</a:t>
+              <a:t>12/21/2024</a:t>
             </a:fld>
             <a:endParaRPr lang="en-US"/>
           </a:p>
@@ -1282,7 +1282,7 @@
           <a:p>
             <a:fld id="{1D8BD707-D9CF-40AE-B4C6-C98DA3205C09}" type="datetimeFigureOut">
               <a:rPr lang="en-US"/>
-              <a:t>12/20/2024</a:t>
+              <a:t>12/21/2024</a:t>
             </a:fld>
             <a:endParaRPr lang="en-US"/>
           </a:p>
@@ -1409,7 +1409,7 @@
           <a:p>
             <a:fld id="{1D8BD707-D9CF-40AE-B4C6-C98DA3205C09}" type="datetimeFigureOut">
               <a:rPr lang="en-US"/>
-              <a:t>12/20/2024</a:t>
+              <a:t>12/21/2024</a:t>
             </a:fld>
             <a:endParaRPr lang="en-US"/>
           </a:p>
@@ -1782,7 +1782,7 @@
           <a:p>
             <a:fld id="{1D8BD707-D9CF-40AE-B4C6-C98DA3205C09}" type="datetimeFigureOut">
               <a:rPr lang="en-US"/>
-              <a:t>12/20/2024</a:t>
+              <a:t>12/21/2024</a:t>
             </a:fld>
             <a:endParaRPr lang="en-US"/>
           </a:p>
@@ -2010,9 +2010,9 @@
         <p:grpSpPr>
           <a:xfrm>
             <a:off x="445008" y="3063239"/>
-            <a:ext cx="11262360" cy="3328035"/>
+            <a:ext cx="11289792" cy="3337561"/>
             <a:chOff x="445008" y="3063239"/>
-            <a:chExt cx="11262360" cy="3328035"/>
+            <a:chExt cx="11289792" cy="3337561"/>
           </a:xfrm>
         </p:grpSpPr>
         <p:sp>
@@ -2023,7 +2023,7 @@
           </p:nvSpPr>
           <p:spPr>
             <a:xfrm>
-              <a:off x="445008" y="3087623"/>
+              <a:off x="472440" y="3096896"/>
               <a:ext cx="11262360" cy="3303904"/>
             </a:xfrm>
             <a:custGeom>
@@ -3014,18 +3014,6 @@
   <p:clrMapOvr>
     <a:masterClrMapping/>
   </p:clrMapOvr>
-  <mc:AlternateContent xmlns:mc="http://schemas.openxmlformats.org/markup-compatibility/2006">
-    <mc:Choice xmlns:p14="http://schemas.microsoft.com/office/powerpoint/2010/main" Requires="p14">
-      <p:transition spd="slow" p14:dur="3400">
-        <p14:reveal/>
-      </p:transition>
-    </mc:Choice>
-    <mc:Fallback>
-      <p:transition spd="slow">
-        <p:fade/>
-      </p:transition>
-    </mc:Fallback>
-  </mc:AlternateContent>
 </p:sld>
 </file>
 
@@ -3068,7 +3056,7 @@
         </p:blipFill>
         <p:spPr>
           <a:xfrm>
-            <a:off x="3352800" y="0"/>
+            <a:off x="5649198" y="0"/>
             <a:ext cx="5605325" cy="6858000"/>
           </a:xfrm>
           <a:prstGeom prst="rect">
@@ -3076,23 +3064,59 @@
           </a:prstGeom>
         </p:spPr>
       </p:pic>
+      <p:sp>
+        <p:nvSpPr>
+          <p:cNvPr id="2" name="TextBox 1">
+            <a:extLst>
+              <a:ext uri="{FF2B5EF4-FFF2-40B4-BE49-F238E27FC236}">
+                <a16:creationId xmlns:a16="http://schemas.microsoft.com/office/drawing/2014/main" id="{E362F7CE-B021-7A91-C610-FB3A53A3C2FA}"/>
+              </a:ext>
+            </a:extLst>
+          </p:cNvPr>
+          <p:cNvSpPr txBox="1"/>
+          <p:nvPr/>
+        </p:nvSpPr>
+        <p:spPr>
+          <a:xfrm>
+            <a:off x="533400" y="1752600"/>
+            <a:ext cx="4114800" cy="1938992"/>
+          </a:xfrm>
+          <a:prstGeom prst="rect">
+            <a:avLst/>
+          </a:prstGeom>
+          <a:noFill/>
+        </p:spPr>
+        <p:txBody>
+          <a:bodyPr wrap="square" rtlCol="0">
+            <a:spAutoFit/>
+          </a:bodyPr>
+          <a:lstStyle>
+            <a:defPPr>
+              <a:defRPr kern="0"/>
+            </a:defPPr>
+            <a:lvl1pPr>
+              <a:defRPr sz="3000" spc="-20">
+                <a:solidFill>
+                  <a:srgbClr val="001F21"/>
+                </a:solidFill>
+                <a:latin typeface="Trebuchet MS"/>
+              </a:defRPr>
+            </a:lvl1pPr>
+          </a:lstStyle>
+          <a:p>
+            <a:pPr algn="l"/>
+            <a:r>
+              <a:rPr lang="en-IN" dirty="0"/>
+              <a:t>The use case diagram is used to show case the functionality of the system </a:t>
+            </a:r>
+          </a:p>
+        </p:txBody>
+      </p:sp>
     </p:spTree>
   </p:cSld>
   <p:clrMapOvr>
     <a:masterClrMapping/>
   </p:clrMapOvr>
-  <mc:AlternateContent xmlns:mc="http://schemas.openxmlformats.org/markup-compatibility/2006">
-    <mc:Choice xmlns:p14="http://schemas.microsoft.com/office/powerpoint/2010/main" Requires="p14">
-      <p:transition spd="slow" p14:dur="3400">
-        <p14:reveal/>
-      </p:transition>
-    </mc:Choice>
-    <mc:Fallback>
-      <p:transition spd="slow">
-        <p:fade/>
-      </p:transition>
-    </mc:Fallback>
-  </mc:AlternateContent>
 </p:sld>
 </file>
 
@@ -3197,6 +3221,47 @@
           </a:p>
         </p:txBody>
       </p:sp>
+      <p:sp>
+        <p:nvSpPr>
+          <p:cNvPr id="2" name="TextBox 1">
+            <a:extLst>
+              <a:ext uri="{FF2B5EF4-FFF2-40B4-BE49-F238E27FC236}">
+                <a16:creationId xmlns:a16="http://schemas.microsoft.com/office/drawing/2014/main" id="{B07B0F9E-4071-5B16-5EC2-268B4E5D631A}"/>
+              </a:ext>
+            </a:extLst>
+          </p:cNvPr>
+          <p:cNvSpPr txBox="1"/>
+          <p:nvPr/>
+        </p:nvSpPr>
+        <p:spPr>
+          <a:xfrm>
+            <a:off x="2933700" y="4191000"/>
+            <a:ext cx="6324600" cy="1015663"/>
+          </a:xfrm>
+          <a:prstGeom prst="rect">
+            <a:avLst/>
+          </a:prstGeom>
+          <a:noFill/>
+        </p:spPr>
+        <p:txBody>
+          <a:bodyPr wrap="square" rtlCol="0">
+            <a:spAutoFit/>
+          </a:bodyPr>
+          <a:lstStyle/>
+          <a:p>
+            <a:pPr algn="ctr"/>
+            <a:r>
+              <a:rPr lang="en-IN" sz="3000" spc="-20" dirty="0">
+                <a:solidFill>
+                  <a:schemeClr val="bg1"/>
+                </a:solidFill>
+                <a:latin typeface="Trebuchet MS"/>
+              </a:rPr>
+              <a:t>The sequence diagram shows the work flow of system</a:t>
+            </a:r>
+          </a:p>
+        </p:txBody>
+      </p:sp>
     </p:spTree>
     <p:extLst>
       <p:ext uri="{BB962C8B-B14F-4D97-AF65-F5344CB8AC3E}">
@@ -3207,18 +3272,6 @@
   <p:clrMapOvr>
     <a:masterClrMapping/>
   </p:clrMapOvr>
-  <mc:AlternateContent xmlns:mc="http://schemas.openxmlformats.org/markup-compatibility/2006">
-    <mc:Choice xmlns:p14="http://schemas.microsoft.com/office/powerpoint/2010/main" Requires="p14">
-      <p:transition spd="slow" p14:dur="3400">
-        <p14:reveal/>
-      </p:transition>
-    </mc:Choice>
-    <mc:Fallback>
-      <p:transition spd="slow">
-        <p:fade/>
-      </p:transition>
-    </mc:Fallback>
-  </mc:AlternateContent>
 </p:sld>
 </file>
 
@@ -3285,18 +3338,6 @@
   <p:clrMapOvr>
     <a:masterClrMapping/>
   </p:clrMapOvr>
-  <mc:AlternateContent xmlns:mc="http://schemas.openxmlformats.org/markup-compatibility/2006">
-    <mc:Choice xmlns:p14="http://schemas.microsoft.com/office/powerpoint/2010/main" Requires="p14">
-      <p:transition spd="slow" p14:dur="3400">
-        <p14:reveal/>
-      </p:transition>
-    </mc:Choice>
-    <mc:Fallback>
-      <p:transition spd="slow">
-        <p:fade/>
-      </p:transition>
-    </mc:Fallback>
-  </mc:AlternateContent>
 </p:sld>
 </file>
 
@@ -3417,18 +3458,6 @@
   <p:clrMapOvr>
     <a:masterClrMapping/>
   </p:clrMapOvr>
-  <mc:AlternateContent xmlns:mc="http://schemas.openxmlformats.org/markup-compatibility/2006">
-    <mc:Choice xmlns:p14="http://schemas.microsoft.com/office/powerpoint/2010/main" Requires="p14">
-      <p:transition spd="slow" p14:dur="3400">
-        <p14:reveal/>
-      </p:transition>
-    </mc:Choice>
-    <mc:Fallback>
-      <p:transition spd="slow">
-        <p:fade/>
-      </p:transition>
-    </mc:Fallback>
-  </mc:AlternateContent>
 </p:sld>
 </file>
 
@@ -3479,23 +3508,51 @@
           </a:prstGeom>
         </p:spPr>
       </p:pic>
+      <p:sp>
+        <p:nvSpPr>
+          <p:cNvPr id="2" name="TextBox 1">
+            <a:extLst>
+              <a:ext uri="{FF2B5EF4-FFF2-40B4-BE49-F238E27FC236}">
+                <a16:creationId xmlns:a16="http://schemas.microsoft.com/office/drawing/2014/main" id="{D9310815-CE44-36F0-6056-F391C1916CF9}"/>
+              </a:ext>
+            </a:extLst>
+          </p:cNvPr>
+          <p:cNvSpPr txBox="1"/>
+          <p:nvPr/>
+        </p:nvSpPr>
+        <p:spPr>
+          <a:xfrm>
+            <a:off x="6781800" y="381000"/>
+            <a:ext cx="4953000" cy="3323987"/>
+          </a:xfrm>
+          <a:prstGeom prst="rect">
+            <a:avLst/>
+          </a:prstGeom>
+          <a:noFill/>
+        </p:spPr>
+        <p:txBody>
+          <a:bodyPr wrap="square" rtlCol="0">
+            <a:spAutoFit/>
+          </a:bodyPr>
+          <a:lstStyle/>
+          <a:p>
+            <a:r>
+              <a:rPr lang="en-IN" sz="3000" spc="-20" dirty="0">
+                <a:solidFill>
+                  <a:srgbClr val="001F21"/>
+                </a:solidFill>
+                <a:latin typeface="Trebuchet MS"/>
+              </a:rPr>
+              <a:t>The class diagram shows the static structure of the project. And it is also used to identify the relationship between the classes and types of methods available in the classes</a:t>
+            </a:r>
+          </a:p>
+        </p:txBody>
+      </p:sp>
     </p:spTree>
   </p:cSld>
   <p:clrMapOvr>
     <a:masterClrMapping/>
   </p:clrMapOvr>
-  <mc:AlternateContent xmlns:mc="http://schemas.openxmlformats.org/markup-compatibility/2006">
-    <mc:Choice xmlns:p14="http://schemas.microsoft.com/office/powerpoint/2010/main" Requires="p14">
-      <p:transition spd="slow" p14:dur="3400">
-        <p14:reveal/>
-      </p:transition>
-    </mc:Choice>
-    <mc:Fallback>
-      <p:transition spd="slow">
-        <p:fade/>
-      </p:transition>
-    </mc:Fallback>
-  </mc:AlternateContent>
 </p:sld>
 </file>
 
@@ -3616,18 +3673,6 @@
   <p:clrMapOvr>
     <a:masterClrMapping/>
   </p:clrMapOvr>
-  <mc:AlternateContent xmlns:mc="http://schemas.openxmlformats.org/markup-compatibility/2006">
-    <mc:Choice xmlns:p14="http://schemas.microsoft.com/office/powerpoint/2010/main" Requires="p14">
-      <p:transition spd="slow" p14:dur="3400">
-        <p14:reveal/>
-      </p:transition>
-    </mc:Choice>
-    <mc:Fallback>
-      <p:transition spd="slow">
-        <p:fade/>
-      </p:transition>
-    </mc:Fallback>
-  </mc:AlternateContent>
 </p:sld>
 </file>
 
@@ -3670,7 +3715,7 @@
         </p:blipFill>
         <p:spPr>
           <a:xfrm>
-            <a:off x="3154535" y="0"/>
+            <a:off x="3810000" y="-18473"/>
             <a:ext cx="5882929" cy="6858000"/>
           </a:xfrm>
           <a:prstGeom prst="rect">
@@ -3678,23 +3723,71 @@
           </a:prstGeom>
         </p:spPr>
       </p:pic>
+      <p:sp>
+        <p:nvSpPr>
+          <p:cNvPr id="6" name="TextBox 5">
+            <a:extLst>
+              <a:ext uri="{FF2B5EF4-FFF2-40B4-BE49-F238E27FC236}">
+                <a16:creationId xmlns:a16="http://schemas.microsoft.com/office/drawing/2014/main" id="{BF104138-61F3-933C-C496-4739E6ADDA6D}"/>
+              </a:ext>
+            </a:extLst>
+          </p:cNvPr>
+          <p:cNvSpPr txBox="1"/>
+          <p:nvPr/>
+        </p:nvSpPr>
+        <p:spPr>
+          <a:xfrm>
+            <a:off x="914400" y="2514600"/>
+            <a:ext cx="3962400" cy="1477328"/>
+          </a:xfrm>
+          <a:prstGeom prst="rect">
+            <a:avLst/>
+          </a:prstGeom>
+          <a:noFill/>
+        </p:spPr>
+        <p:txBody>
+          <a:bodyPr wrap="square">
+            <a:spAutoFit/>
+          </a:bodyPr>
+          <a:lstStyle/>
+          <a:p>
+            <a:pPr algn="just"/>
+            <a:r>
+              <a:rPr lang="en-US" sz="3000" spc="-20" dirty="0">
+                <a:solidFill>
+                  <a:srgbClr val="001F21"/>
+                </a:solidFill>
+                <a:latin typeface="Trebuchet MS"/>
+              </a:rPr>
+              <a:t>Activity</a:t>
+            </a:r>
+            <a:r>
+              <a:rPr lang="en-US" dirty="0"/>
+              <a:t> </a:t>
+            </a:r>
+            <a:r>
+              <a:rPr lang="en-US" sz="3000" spc="-20" dirty="0">
+                <a:solidFill>
+                  <a:srgbClr val="001F21"/>
+                </a:solidFill>
+                <a:latin typeface="Trebuchet MS"/>
+              </a:rPr>
+              <a:t>Diagrams to illustrate the flow of control in a system</a:t>
+            </a:r>
+            <a:endParaRPr lang="en-IN" sz="3000" spc="-20" dirty="0">
+              <a:solidFill>
+                <a:srgbClr val="001F21"/>
+              </a:solidFill>
+              <a:latin typeface="Trebuchet MS"/>
+            </a:endParaRPr>
+          </a:p>
+        </p:txBody>
+      </p:sp>
     </p:spTree>
   </p:cSld>
   <p:clrMapOvr>
     <a:masterClrMapping/>
   </p:clrMapOvr>
-  <mc:AlternateContent xmlns:mc="http://schemas.openxmlformats.org/markup-compatibility/2006">
-    <mc:Choice xmlns:p14="http://schemas.microsoft.com/office/powerpoint/2010/main" Requires="p14">
-      <p:transition spd="slow" p14:dur="3400">
-        <p14:reveal/>
-      </p:transition>
-    </mc:Choice>
-    <mc:Fallback>
-      <p:transition spd="slow">
-        <p:fade/>
-      </p:transition>
-    </mc:Fallback>
-  </mc:AlternateContent>
 </p:sld>
 </file>
 
@@ -3856,18 +3949,6 @@
   <p:clrMapOvr>
     <a:masterClrMapping/>
   </p:clrMapOvr>
-  <mc:AlternateContent xmlns:mc="http://schemas.openxmlformats.org/markup-compatibility/2006">
-    <mc:Choice xmlns:p14="http://schemas.microsoft.com/office/powerpoint/2010/main" Requires="p14">
-      <p:transition spd="slow" p14:dur="3400">
-        <p14:reveal/>
-      </p:transition>
-    </mc:Choice>
-    <mc:Fallback>
-      <p:transition spd="slow">
-        <p:fade/>
-      </p:transition>
-    </mc:Fallback>
-  </mc:AlternateContent>
 </p:sld>
 </file>
 
@@ -6316,18 +6397,6 @@
   <p:clrMapOvr>
     <a:masterClrMapping/>
   </p:clrMapOvr>
-  <mc:AlternateContent xmlns:mc="http://schemas.openxmlformats.org/markup-compatibility/2006">
-    <mc:Choice xmlns:p14="http://schemas.microsoft.com/office/powerpoint/2010/main" Requires="p14">
-      <p:transition spd="slow" p14:dur="3400">
-        <p14:reveal/>
-      </p:transition>
-    </mc:Choice>
-    <mc:Fallback>
-      <p:transition spd="slow">
-        <p:fade/>
-      </p:transition>
-    </mc:Fallback>
-  </mc:AlternateContent>
 </p:sld>
 </file>
 
@@ -6392,18 +6461,6 @@
   <p:clrMapOvr>
     <a:masterClrMapping/>
   </p:clrMapOvr>
-  <mc:AlternateContent xmlns:mc="http://schemas.openxmlformats.org/markup-compatibility/2006">
-    <mc:Choice xmlns:p14="http://schemas.microsoft.com/office/powerpoint/2010/main" Requires="p14">
-      <p:transition spd="slow" p14:dur="3400">
-        <p14:reveal/>
-      </p:transition>
-    </mc:Choice>
-    <mc:Fallback>
-      <p:transition spd="slow">
-        <p:fade/>
-      </p:transition>
-    </mc:Fallback>
-  </mc:AlternateContent>
 </p:sld>
 </file>
 
@@ -6898,18 +6955,6 @@
   <p:clrMapOvr>
     <a:masterClrMapping/>
   </p:clrMapOvr>
-  <mc:AlternateContent xmlns:mc="http://schemas.openxmlformats.org/markup-compatibility/2006">
-    <mc:Choice xmlns:p14="http://schemas.microsoft.com/office/powerpoint/2010/main" Requires="p14">
-      <p:transition spd="slow" p14:dur="3400">
-        <p14:reveal/>
-      </p:transition>
-    </mc:Choice>
-    <mc:Fallback>
-      <p:transition spd="slow">
-        <p:fade/>
-      </p:transition>
-    </mc:Fallback>
-  </mc:AlternateContent>
 </p:sld>
 </file>
 
@@ -7094,8 +7139,8 @@
         </p:blipFill>
         <p:spPr bwMode="auto">
           <a:xfrm>
-            <a:off x="8532091" y="3461327"/>
-            <a:ext cx="3657600" cy="3657600"/>
+            <a:off x="8762999" y="3692235"/>
+            <a:ext cx="3426691" cy="3426691"/>
           </a:xfrm>
           <a:prstGeom prst="rect">
             <a:avLst/>
@@ -7122,18 +7167,6 @@
   <p:clrMapOvr>
     <a:masterClrMapping/>
   </p:clrMapOvr>
-  <mc:AlternateContent xmlns:mc="http://schemas.openxmlformats.org/markup-compatibility/2006">
-    <mc:Choice xmlns:p14="http://schemas.microsoft.com/office/powerpoint/2010/main" Requires="p14">
-      <p:transition spd="slow" p14:dur="3400">
-        <p14:reveal/>
-      </p:transition>
-    </mc:Choice>
-    <mc:Fallback>
-      <p:transition spd="slow">
-        <p:fade/>
-      </p:transition>
-    </mc:Fallback>
-  </mc:AlternateContent>
 </p:sld>
 </file>
 
@@ -7466,7 +7499,25 @@
                 </a:solidFill>
                 <a:latin typeface="Trebuchet MS"/>
               </a:rPr>
-              <a:t> uses OpenCV and Mediapipe to capture drowsiness data from the webcam by calculating EAR and MAR. Users label data as "Drowsy" or "Not Drowsy" with 'd' or 'n'. The data (EAR, MAR, label) is saved to a CSV file upon quitting</a:t>
+              <a:t> uses OpenCV and Mediapipe to capture </a:t>
+            </a:r>
+            <a:r>
+              <a:rPr lang="en-IN" sz="3000" spc="-20" dirty="0">
+                <a:solidFill>
+                  <a:srgbClr val="001F21"/>
+                </a:solidFill>
+                <a:latin typeface="Trebuchet MS"/>
+              </a:rPr>
+              <a:t>drowsiness </a:t>
+            </a:r>
+            <a:r>
+              <a:rPr sz="3000" spc="-20" dirty="0">
+                <a:solidFill>
+                  <a:srgbClr val="001F21"/>
+                </a:solidFill>
+                <a:latin typeface="Trebuchet MS"/>
+              </a:rPr>
+              <a:t>data from the webcam by calculating EAR and MAR. Users label data as "Drowsy" or "Not Drowsy" with 'd' or 'n'. The data (EAR, MAR, label) is saved to a CSV file upon quitting</a:t>
             </a:r>
             <a:r>
               <a:rPr lang="en-US" sz="3000" spc="-20" dirty="0">
@@ -7745,18 +7796,6 @@
   <p:clrMapOvr>
     <a:masterClrMapping/>
   </p:clrMapOvr>
-  <mc:AlternateContent xmlns:mc="http://schemas.openxmlformats.org/markup-compatibility/2006">
-    <mc:Choice xmlns:p14="http://schemas.microsoft.com/office/powerpoint/2010/main" Requires="p14">
-      <p:transition spd="slow" p14:dur="3400">
-        <p14:reveal/>
-      </p:transition>
-    </mc:Choice>
-    <mc:Fallback>
-      <p:transition spd="slow">
-        <p:fade/>
-      </p:transition>
-    </mc:Fallback>
-  </mc:AlternateContent>
 </p:sld>
 </file>
 
@@ -8850,18 +8889,6 @@
   <p:clrMapOvr>
     <a:masterClrMapping/>
   </p:clrMapOvr>
-  <mc:AlternateContent xmlns:mc="http://schemas.openxmlformats.org/markup-compatibility/2006">
-    <mc:Choice xmlns:p14="http://schemas.microsoft.com/office/powerpoint/2010/main" Requires="p14">
-      <p:transition spd="slow" p14:dur="3400">
-        <p14:reveal/>
-      </p:transition>
-    </mc:Choice>
-    <mc:Fallback>
-      <p:transition spd="slow">
-        <p:fade/>
-      </p:transition>
-    </mc:Fallback>
-  </mc:AlternateContent>
 </p:sld>
 </file>
 
@@ -9244,18 +9271,6 @@
   <p:clrMapOvr>
     <a:masterClrMapping/>
   </p:clrMapOvr>
-  <mc:AlternateContent xmlns:mc="http://schemas.openxmlformats.org/markup-compatibility/2006">
-    <mc:Choice xmlns:p14="http://schemas.microsoft.com/office/powerpoint/2010/main" Requires="p14">
-      <p:transition spd="slow" p14:dur="3400">
-        <p14:reveal/>
-      </p:transition>
-    </mc:Choice>
-    <mc:Fallback>
-      <p:transition spd="slow">
-        <p:fade/>
-      </p:transition>
-    </mc:Fallback>
-  </mc:AlternateContent>
 </p:sld>
 </file>
 
@@ -9629,18 +9644,6 @@
   <p:clrMapOvr>
     <a:masterClrMapping/>
   </p:clrMapOvr>
-  <mc:AlternateContent xmlns:mc="http://schemas.openxmlformats.org/markup-compatibility/2006">
-    <mc:Choice xmlns:p14="http://schemas.microsoft.com/office/powerpoint/2010/main" Requires="p14">
-      <p:transition spd="slow" p14:dur="3400">
-        <p14:reveal/>
-      </p:transition>
-    </mc:Choice>
-    <mc:Fallback>
-      <p:transition spd="slow">
-        <p:fade/>
-      </p:transition>
-    </mc:Fallback>
-  </mc:AlternateContent>
 </p:sld>
 </file>
 
@@ -9691,7 +9694,7 @@
         </p:nvSpPr>
         <p:spPr>
           <a:xfrm>
-            <a:off x="-32327" y="903629"/>
+            <a:off x="11545" y="903629"/>
             <a:ext cx="12203545" cy="5050742"/>
           </a:xfrm>
           <a:prstGeom prst="rect">
@@ -9731,7 +9734,7 @@
             </a:r>
           </a:p>
           <a:p>
-            <a:pPr marR="23495" algn="l">
+            <a:pPr marL="92075" marR="23495" algn="l">
               <a:spcBef>
                 <a:spcPts val="1385"/>
               </a:spcBef>
@@ -9747,7 +9750,7 @@
             </a:r>
           </a:p>
           <a:p>
-            <a:pPr marR="23495" algn="l">
+            <a:pPr marL="92075" marR="23495" algn="l">
               <a:spcBef>
                 <a:spcPts val="1385"/>
               </a:spcBef>
@@ -9763,7 +9766,7 @@
             </a:r>
           </a:p>
           <a:p>
-            <a:pPr marR="23495" algn="l">
+            <a:pPr marL="92075" marR="23495" algn="l">
               <a:spcBef>
                 <a:spcPts val="1385"/>
               </a:spcBef>
@@ -9779,7 +9782,7 @@
             </a:r>
           </a:p>
           <a:p>
-            <a:pPr marR="23495" algn="l">
+            <a:pPr marL="92075" marR="23495" algn="l">
               <a:spcBef>
                 <a:spcPts val="1385"/>
               </a:spcBef>
@@ -9825,8 +9828,8 @@
         </p:blipFill>
         <p:spPr bwMode="auto">
           <a:xfrm>
-            <a:off x="7162800" y="2362200"/>
-            <a:ext cx="5040745" cy="3667231"/>
+            <a:off x="7385517" y="2362201"/>
+            <a:ext cx="4818027" cy="3505200"/>
           </a:xfrm>
           <a:prstGeom prst="rect">
             <a:avLst/>
@@ -9853,18 +9856,6 @@
   <p:clrMapOvr>
     <a:masterClrMapping/>
   </p:clrMapOvr>
-  <mc:AlternateContent xmlns:mc="http://schemas.openxmlformats.org/markup-compatibility/2006">
-    <mc:Choice xmlns:p14="http://schemas.microsoft.com/office/powerpoint/2010/main" Requires="p14">
-      <p:transition spd="slow" p14:dur="3400">
-        <p14:reveal/>
-      </p:transition>
-    </mc:Choice>
-    <mc:Fallback>
-      <p:transition spd="slow">
-        <p:fade/>
-      </p:transition>
-    </mc:Fallback>
-  </mc:AlternateContent>
 </p:sld>
 </file>
 
@@ -9985,18 +9976,6 @@
   <p:clrMapOvr>
     <a:masterClrMapping/>
   </p:clrMapOvr>
-  <mc:AlternateContent xmlns:mc="http://schemas.openxmlformats.org/markup-compatibility/2006">
-    <mc:Choice xmlns:p14="http://schemas.microsoft.com/office/powerpoint/2010/main" Requires="p14">
-      <p:transition spd="slow" p14:dur="3400">
-        <p14:reveal/>
-      </p:transition>
-    </mc:Choice>
-    <mc:Fallback>
-      <p:transition spd="slow">
-        <p:fade/>
-      </p:transition>
-    </mc:Fallback>
-  </mc:AlternateContent>
 </p:sld>
 </file>
 
